--- a/ppt_files/LDSBC_BA280_W6_Haas_Avocado_Dashboard_lj.pptx
+++ b/ppt_files/LDSBC_BA280_W6_Haas_Avocado_Dashboard_lj.pptx
@@ -7,11 +7,10 @@
   <p:sldIdLst>
     <p:sldId id="257" r:id="rId2"/>
     <p:sldId id="262" r:id="rId3"/>
-    <p:sldId id="263" r:id="rId4"/>
-    <p:sldId id="265" r:id="rId5"/>
-    <p:sldId id="264" r:id="rId6"/>
-    <p:sldId id="268" r:id="rId7"/>
-    <p:sldId id="269" r:id="rId8"/>
+    <p:sldId id="265" r:id="rId4"/>
+    <p:sldId id="264" r:id="rId5"/>
+    <p:sldId id="268" r:id="rId6"/>
+    <p:sldId id="269" r:id="rId7"/>
   </p:sldIdLst>
   <p:sldSz cx="12192000" cy="6858000"/>
   <p:notesSz cx="6858000" cy="9144000"/>
@@ -4639,34 +4638,6 @@
       </p:grpSpPr>
       <p:sp>
         <p:nvSpPr>
-          <p:cNvPr id="2" name="Title 1">
-            <a:extLst>
-              <a:ext uri="{FF2B5EF4-FFF2-40B4-BE49-F238E27FC236}">
-                <a16:creationId xmlns:a16="http://schemas.microsoft.com/office/drawing/2014/main" id="{B9C94313-1DE0-487E-93FE-C0CEE51A8053}"/>
-              </a:ext>
-            </a:extLst>
-          </p:cNvPr>
-          <p:cNvSpPr>
-            <a:spLocks noGrp="1"/>
-          </p:cNvSpPr>
-          <p:nvPr>
-            <p:ph type="title"/>
-          </p:nvPr>
-        </p:nvSpPr>
-        <p:spPr/>
-        <p:txBody>
-          <a:bodyPr/>
-          <a:lstStyle/>
-          <a:p>
-            <a:r>
-              <a:rPr lang="en-US" dirty="0"/>
-              <a:t>Dashboard Layout and Functionality</a:t>
-            </a:r>
-          </a:p>
-        </p:txBody>
-      </p:sp>
-      <p:sp>
-        <p:nvSpPr>
           <p:cNvPr id="3" name="Content Placeholder 2">
             <a:extLst>
               <a:ext uri="{FF2B5EF4-FFF2-40B4-BE49-F238E27FC236}">
@@ -4681,7 +4652,12 @@
             <p:ph sz="half" idx="1"/>
           </p:nvPr>
         </p:nvSpPr>
-        <p:spPr/>
+        <p:spPr>
+          <a:xfrm>
+            <a:off x="5604606" y="2807301"/>
+            <a:ext cx="2914250" cy="3229610"/>
+          </a:xfrm>
+        </p:spPr>
         <p:txBody>
           <a:bodyPr/>
           <a:lstStyle/>
@@ -4761,7 +4737,12 @@
             <p:ph sz="half" idx="2"/>
           </p:nvPr>
         </p:nvSpPr>
-        <p:spPr/>
+        <p:spPr>
+          <a:xfrm>
+            <a:off x="8621482" y="2797970"/>
+            <a:ext cx="2811629" cy="3229610"/>
+          </a:xfrm>
+        </p:spPr>
         <p:txBody>
           <a:bodyPr/>
           <a:lstStyle/>
@@ -4818,6 +4799,424 @@
           </a:p>
         </p:txBody>
       </p:sp>
+      <p:sp>
+        <p:nvSpPr>
+          <p:cNvPr id="5" name="Content Placeholder 2">
+            <a:extLst>
+              <a:ext uri="{FF2B5EF4-FFF2-40B4-BE49-F238E27FC236}">
+                <a16:creationId xmlns:a16="http://schemas.microsoft.com/office/drawing/2014/main" id="{01AA39C4-CBDB-4D00-A1B9-E2E0FB2163D2}"/>
+              </a:ext>
+            </a:extLst>
+          </p:cNvPr>
+          <p:cNvSpPr txBox="1">
+            <a:spLocks/>
+          </p:cNvSpPr>
+          <p:nvPr/>
+        </p:nvSpPr>
+        <p:spPr>
+          <a:xfrm>
+            <a:off x="606492" y="2103120"/>
+            <a:ext cx="4736846" cy="3749040"/>
+          </a:xfrm>
+          <a:prstGeom prst="rect">
+            <a:avLst/>
+          </a:prstGeom>
+        </p:spPr>
+        <p:txBody>
+          <a:bodyPr vert="horz" lIns="91440" tIns="45720" rIns="91440" bIns="45720" rtlCol="0">
+            <a:normAutofit/>
+          </a:bodyPr>
+          <a:lstStyle>
+            <a:lvl1pPr marL="182880" indent="-182880" algn="l" defTabSz="914400" rtl="0" eaLnBrk="1" latinLnBrk="0" hangingPunct="1">
+              <a:lnSpc>
+                <a:spcPct val="110000"/>
+              </a:lnSpc>
+              <a:spcBef>
+                <a:spcPts val="900"/>
+              </a:spcBef>
+              <a:spcAft>
+                <a:spcPts val="0"/>
+              </a:spcAft>
+              <a:buClr>
+                <a:schemeClr val="tx1">
+                  <a:lumMod val="85000"/>
+                  <a:lumOff val="15000"/>
+                </a:schemeClr>
+              </a:buClr>
+              <a:buFont typeface="Garamond" pitchFamily="18" charset="0"/>
+              <a:buChar char="◦"/>
+              <a:defRPr sz="1800" kern="1200">
+                <a:solidFill>
+                  <a:schemeClr val="tx1"/>
+                </a:solidFill>
+                <a:latin typeface="+mn-lt"/>
+                <a:ea typeface="+mn-ea"/>
+                <a:cs typeface="+mn-cs"/>
+              </a:defRPr>
+            </a:lvl1pPr>
+            <a:lvl2pPr marL="457200" indent="-182880" algn="l" defTabSz="914400" rtl="0" eaLnBrk="1" latinLnBrk="0" hangingPunct="1">
+              <a:lnSpc>
+                <a:spcPct val="100000"/>
+              </a:lnSpc>
+              <a:spcBef>
+                <a:spcPts val="500"/>
+              </a:spcBef>
+              <a:buClr>
+                <a:schemeClr val="tx1">
+                  <a:lumMod val="85000"/>
+                  <a:lumOff val="15000"/>
+                </a:schemeClr>
+              </a:buClr>
+              <a:buFont typeface="Garamond" pitchFamily="18" charset="0"/>
+              <a:buChar char="◦"/>
+              <a:defRPr sz="1600" kern="1200">
+                <a:solidFill>
+                  <a:schemeClr val="tx1"/>
+                </a:solidFill>
+                <a:latin typeface="+mn-lt"/>
+                <a:ea typeface="+mn-ea"/>
+                <a:cs typeface="+mn-cs"/>
+              </a:defRPr>
+            </a:lvl2pPr>
+            <a:lvl3pPr marL="731520" indent="-182880" algn="l" defTabSz="914400" rtl="0" eaLnBrk="1" latinLnBrk="0" hangingPunct="1">
+              <a:lnSpc>
+                <a:spcPct val="100000"/>
+              </a:lnSpc>
+              <a:spcBef>
+                <a:spcPts val="500"/>
+              </a:spcBef>
+              <a:buClr>
+                <a:schemeClr val="tx1">
+                  <a:lumMod val="85000"/>
+                  <a:lumOff val="15000"/>
+                </a:schemeClr>
+              </a:buClr>
+              <a:buFont typeface="Garamond" pitchFamily="18" charset="0"/>
+              <a:buChar char="◦"/>
+              <a:defRPr sz="1400" kern="1200">
+                <a:solidFill>
+                  <a:schemeClr val="tx1"/>
+                </a:solidFill>
+                <a:latin typeface="+mn-lt"/>
+                <a:ea typeface="+mn-ea"/>
+                <a:cs typeface="+mn-cs"/>
+              </a:defRPr>
+            </a:lvl3pPr>
+            <a:lvl4pPr marL="1005840" indent="-182880" algn="l" defTabSz="914400" rtl="0" eaLnBrk="1" latinLnBrk="0" hangingPunct="1">
+              <a:lnSpc>
+                <a:spcPct val="100000"/>
+              </a:lnSpc>
+              <a:spcBef>
+                <a:spcPts val="500"/>
+              </a:spcBef>
+              <a:buClr>
+                <a:schemeClr val="tx1">
+                  <a:lumMod val="85000"/>
+                  <a:lumOff val="15000"/>
+                </a:schemeClr>
+              </a:buClr>
+              <a:buFont typeface="Garamond" pitchFamily="18" charset="0"/>
+              <a:buChar char="◦"/>
+              <a:defRPr sz="1400" kern="1200">
+                <a:solidFill>
+                  <a:schemeClr val="tx1"/>
+                </a:solidFill>
+                <a:latin typeface="+mn-lt"/>
+                <a:ea typeface="+mn-ea"/>
+                <a:cs typeface="+mn-cs"/>
+              </a:defRPr>
+            </a:lvl4pPr>
+            <a:lvl5pPr marL="1280160" indent="-182880" algn="l" defTabSz="914400" rtl="0" eaLnBrk="1" latinLnBrk="0" hangingPunct="1">
+              <a:lnSpc>
+                <a:spcPct val="100000"/>
+              </a:lnSpc>
+              <a:spcBef>
+                <a:spcPts val="500"/>
+              </a:spcBef>
+              <a:buClr>
+                <a:schemeClr val="tx1">
+                  <a:lumMod val="85000"/>
+                  <a:lumOff val="15000"/>
+                </a:schemeClr>
+              </a:buClr>
+              <a:buFont typeface="Garamond" pitchFamily="18" charset="0"/>
+              <a:buChar char="◦"/>
+              <a:defRPr sz="1400" kern="1200">
+                <a:solidFill>
+                  <a:schemeClr val="tx1"/>
+                </a:solidFill>
+                <a:latin typeface="+mn-lt"/>
+                <a:ea typeface="+mn-ea"/>
+                <a:cs typeface="+mn-cs"/>
+              </a:defRPr>
+            </a:lvl5pPr>
+            <a:lvl6pPr marL="1600000" indent="-228600" algn="l" defTabSz="914400" rtl="0" eaLnBrk="1" latinLnBrk="0" hangingPunct="1">
+              <a:lnSpc>
+                <a:spcPct val="100000"/>
+              </a:lnSpc>
+              <a:spcBef>
+                <a:spcPts val="500"/>
+              </a:spcBef>
+              <a:buClr>
+                <a:schemeClr val="tx1">
+                  <a:lumMod val="85000"/>
+                  <a:lumOff val="15000"/>
+                </a:schemeClr>
+              </a:buClr>
+              <a:buFont typeface="Garamond" pitchFamily="18" charset="0"/>
+              <a:buChar char="◦"/>
+              <a:defRPr sz="1400" kern="1200">
+                <a:solidFill>
+                  <a:schemeClr val="tx1"/>
+                </a:solidFill>
+                <a:latin typeface="+mn-lt"/>
+                <a:ea typeface="+mn-ea"/>
+                <a:cs typeface="+mn-cs"/>
+              </a:defRPr>
+            </a:lvl6pPr>
+            <a:lvl7pPr marL="1900000" indent="-228600" algn="l" defTabSz="914400" rtl="0" eaLnBrk="1" latinLnBrk="0" hangingPunct="1">
+              <a:lnSpc>
+                <a:spcPct val="100000"/>
+              </a:lnSpc>
+              <a:spcBef>
+                <a:spcPts val="500"/>
+              </a:spcBef>
+              <a:buClr>
+                <a:schemeClr val="tx1">
+                  <a:lumMod val="85000"/>
+                  <a:lumOff val="15000"/>
+                </a:schemeClr>
+              </a:buClr>
+              <a:buFont typeface="Garamond" pitchFamily="18" charset="0"/>
+              <a:buChar char="◦"/>
+              <a:defRPr sz="1400" kern="1200">
+                <a:solidFill>
+                  <a:schemeClr val="tx1"/>
+                </a:solidFill>
+                <a:latin typeface="+mn-lt"/>
+                <a:ea typeface="+mn-ea"/>
+                <a:cs typeface="+mn-cs"/>
+              </a:defRPr>
+            </a:lvl7pPr>
+            <a:lvl8pPr marL="2200000" indent="-228600" algn="l" defTabSz="914400" rtl="0" eaLnBrk="1" latinLnBrk="0" hangingPunct="1">
+              <a:lnSpc>
+                <a:spcPct val="100000"/>
+              </a:lnSpc>
+              <a:spcBef>
+                <a:spcPts val="500"/>
+              </a:spcBef>
+              <a:buClr>
+                <a:schemeClr val="tx1">
+                  <a:lumMod val="85000"/>
+                  <a:lumOff val="15000"/>
+                </a:schemeClr>
+              </a:buClr>
+              <a:buFont typeface="Garamond" pitchFamily="18" charset="0"/>
+              <a:buChar char="◦"/>
+              <a:defRPr sz="1400" kern="1200">
+                <a:solidFill>
+                  <a:schemeClr val="tx1"/>
+                </a:solidFill>
+                <a:latin typeface="+mn-lt"/>
+                <a:ea typeface="+mn-ea"/>
+                <a:cs typeface="+mn-cs"/>
+              </a:defRPr>
+            </a:lvl8pPr>
+            <a:lvl9pPr marL="2500000" indent="-228600" algn="l" defTabSz="914400" rtl="0" eaLnBrk="1" latinLnBrk="0" hangingPunct="1">
+              <a:lnSpc>
+                <a:spcPct val="100000"/>
+              </a:lnSpc>
+              <a:spcBef>
+                <a:spcPts val="500"/>
+              </a:spcBef>
+              <a:buClr>
+                <a:schemeClr val="tx1">
+                  <a:lumMod val="85000"/>
+                  <a:lumOff val="15000"/>
+                </a:schemeClr>
+              </a:buClr>
+              <a:buFont typeface="Garamond" pitchFamily="18" charset="0"/>
+              <a:buChar char="◦"/>
+              <a:defRPr sz="1400" kern="1200">
+                <a:solidFill>
+                  <a:schemeClr val="tx1"/>
+                </a:solidFill>
+                <a:latin typeface="+mn-lt"/>
+                <a:ea typeface="+mn-ea"/>
+                <a:cs typeface="+mn-cs"/>
+              </a:defRPr>
+            </a:lvl9pPr>
+          </a:lstStyle>
+          <a:p>
+            <a:pPr marL="0" indent="0" algn="ctr">
+              <a:buNone/>
+            </a:pPr>
+            <a:r>
+              <a:rPr lang="en-US" b="1" dirty="0"/>
+              <a:t>Objective and Purpose</a:t>
+            </a:r>
+          </a:p>
+          <a:p>
+            <a:endParaRPr lang="en-US" sz="1100" dirty="0"/>
+          </a:p>
+          <a:p>
+            <a:r>
+              <a:rPr lang="en-US" dirty="0"/>
+              <a:t>Provide avocado sales by location and type</a:t>
+            </a:r>
+          </a:p>
+          <a:p>
+            <a:endParaRPr lang="en-US" dirty="0"/>
+          </a:p>
+          <a:p>
+            <a:r>
+              <a:rPr lang="en-US" dirty="0"/>
+              <a:t>Quickly highlight volume, bags and average price</a:t>
+            </a:r>
+          </a:p>
+          <a:p>
+            <a:endParaRPr lang="en-US" dirty="0"/>
+          </a:p>
+          <a:p>
+            <a:r>
+              <a:rPr lang="en-US" dirty="0"/>
+              <a:t>Monitor avocado seasonality over time</a:t>
+            </a:r>
+          </a:p>
+        </p:txBody>
+      </p:sp>
+      <p:sp>
+        <p:nvSpPr>
+          <p:cNvPr id="6" name="Title 1">
+            <a:extLst>
+              <a:ext uri="{FF2B5EF4-FFF2-40B4-BE49-F238E27FC236}">
+                <a16:creationId xmlns:a16="http://schemas.microsoft.com/office/drawing/2014/main" id="{24152FA7-8CD0-45E8-B170-BF7DCC1DADE2}"/>
+              </a:ext>
+            </a:extLst>
+          </p:cNvPr>
+          <p:cNvSpPr txBox="1">
+            <a:spLocks/>
+          </p:cNvSpPr>
+          <p:nvPr/>
+        </p:nvSpPr>
+        <p:spPr>
+          <a:xfrm>
+            <a:off x="1066800" y="642594"/>
+            <a:ext cx="10058400" cy="1371600"/>
+          </a:xfrm>
+          <a:prstGeom prst="rect">
+            <a:avLst/>
+          </a:prstGeom>
+        </p:spPr>
+        <p:txBody>
+          <a:bodyPr vert="horz" lIns="91440" tIns="45720" rIns="91440" bIns="45720" rtlCol="0" anchor="ctr">
+            <a:normAutofit/>
+          </a:bodyPr>
+          <a:lstStyle>
+            <a:lvl1pPr algn="l" defTabSz="914400" rtl="0" eaLnBrk="1" latinLnBrk="0" hangingPunct="1">
+              <a:lnSpc>
+                <a:spcPct val="90000"/>
+              </a:lnSpc>
+              <a:spcBef>
+                <a:spcPct val="0"/>
+              </a:spcBef>
+              <a:buNone/>
+              <a:defRPr lang="en-US" sz="4000" i="0" kern="1200" cap="none" spc="0" baseline="0" dirty="0">
+                <a:solidFill>
+                  <a:schemeClr val="tx1">
+                    <a:lumMod val="85000"/>
+                    <a:lumOff val="15000"/>
+                  </a:schemeClr>
+                </a:solidFill>
+                <a:effectLst/>
+                <a:latin typeface="+mj-lt"/>
+                <a:ea typeface="+mn-ea"/>
+                <a:cs typeface="+mn-cs"/>
+              </a:defRPr>
+            </a:lvl1pPr>
+          </a:lstStyle>
+          <a:p>
+            <a:r>
+              <a:rPr lang="en-US" dirty="0"/>
+              <a:t>Dashboard Overview</a:t>
+            </a:r>
+          </a:p>
+        </p:txBody>
+      </p:sp>
+      <p:sp>
+        <p:nvSpPr>
+          <p:cNvPr id="10" name="TextBox 9">
+            <a:extLst>
+              <a:ext uri="{FF2B5EF4-FFF2-40B4-BE49-F238E27FC236}">
+                <a16:creationId xmlns:a16="http://schemas.microsoft.com/office/drawing/2014/main" id="{CE4BB2A7-C196-49A8-8F79-24EEC5F563A6}"/>
+              </a:ext>
+            </a:extLst>
+          </p:cNvPr>
+          <p:cNvSpPr txBox="1"/>
+          <p:nvPr/>
+        </p:nvSpPr>
+        <p:spPr>
+          <a:xfrm>
+            <a:off x="5514392" y="2116061"/>
+            <a:ext cx="6002698" cy="369332"/>
+          </a:xfrm>
+          <a:prstGeom prst="rect">
+            <a:avLst/>
+          </a:prstGeom>
+          <a:noFill/>
+        </p:spPr>
+        <p:txBody>
+          <a:bodyPr wrap="square">
+            <a:spAutoFit/>
+          </a:bodyPr>
+          <a:lstStyle/>
+          <a:p>
+            <a:pPr marL="0" indent="0" algn="ctr">
+              <a:buNone/>
+            </a:pPr>
+            <a:r>
+              <a:rPr lang="en-US" b="1" dirty="0"/>
+              <a:t>Layout and Functionality</a:t>
+            </a:r>
+          </a:p>
+        </p:txBody>
+      </p:sp>
+      <p:cxnSp>
+        <p:nvCxnSpPr>
+          <p:cNvPr id="12" name="Straight Connector 11">
+            <a:extLst>
+              <a:ext uri="{FF2B5EF4-FFF2-40B4-BE49-F238E27FC236}">
+                <a16:creationId xmlns:a16="http://schemas.microsoft.com/office/drawing/2014/main" id="{434A3A8A-2298-4235-AD2D-1804FD8DCCC8}"/>
+              </a:ext>
+            </a:extLst>
+          </p:cNvPr>
+          <p:cNvCxnSpPr/>
+          <p:nvPr/>
+        </p:nvCxnSpPr>
+        <p:spPr>
+          <a:xfrm>
+            <a:off x="5473971" y="2103120"/>
+            <a:ext cx="0" cy="3943117"/>
+          </a:xfrm>
+          <a:prstGeom prst="line">
+            <a:avLst/>
+          </a:prstGeom>
+        </p:spPr>
+        <p:style>
+          <a:lnRef idx="1">
+            <a:schemeClr val="accent1"/>
+          </a:lnRef>
+          <a:fillRef idx="0">
+            <a:schemeClr val="accent1"/>
+          </a:fillRef>
+          <a:effectRef idx="0">
+            <a:schemeClr val="accent1"/>
+          </a:effectRef>
+          <a:fontRef idx="minor">
+            <a:schemeClr val="tx1"/>
+          </a:fontRef>
+        </p:style>
+      </p:cxnSp>
     </p:spTree>
     <p:extLst>
       <p:ext uri="{BB962C8B-B14F-4D97-AF65-F5344CB8AC3E}">
@@ -4871,7 +5270,7 @@
           <a:p>
             <a:r>
               <a:rPr lang="en-US" dirty="0"/>
-              <a:t>Dashboard Objective and Purpose</a:t>
+              <a:t>Region Geocodes</a:t>
             </a:r>
           </a:p>
         </p:txBody>
@@ -4895,7 +5294,7 @@
         <p:spPr>
           <a:xfrm>
             <a:off x="1066800" y="2103120"/>
-            <a:ext cx="8869680" cy="3749040"/>
+            <a:ext cx="8065008" cy="3749040"/>
           </a:xfrm>
         </p:spPr>
         <p:txBody>
@@ -4904,19 +5303,35 @@
           <a:p>
             <a:r>
               <a:rPr lang="en-US" dirty="0"/>
-              <a:t>Provide avocado sales information by location, and bag / single avocado </a:t>
-            </a:r>
-          </a:p>
-          <a:p>
+              <a:t>Selected latitude &amp; longitude based on </a:t>
+            </a:r>
+            <a:r>
+              <a:rPr lang="en-US" dirty="0" err="1"/>
+              <a:t>ZipLatLong</a:t>
+            </a:r>
             <a:r>
               <a:rPr lang="en-US" dirty="0"/>
-              <a:t>Highlight volume, bags and average price with cards</a:t>
+              <a:t> table</a:t>
             </a:r>
           </a:p>
           <a:p>
             <a:r>
               <a:rPr lang="en-US" dirty="0"/>
-              <a:t>Show bag / single avocado sales over time by type</a:t>
+              <a:t>Created secondary table (</a:t>
+            </a:r>
+            <a:r>
+              <a:rPr lang="en-US" dirty="0" err="1"/>
+              <a:t>LocationRef</a:t>
+            </a:r>
+            <a:r>
+              <a:rPr lang="en-US" dirty="0"/>
+              <a:t>) to link with Avocado table</a:t>
+            </a:r>
+          </a:p>
+          <a:p>
+            <a:r>
+              <a:rPr lang="en-US" dirty="0"/>
+              <a:t>Selected a city from each region to represent the region</a:t>
             </a:r>
           </a:p>
         </p:txBody>
@@ -4939,8 +5354,8 @@
         </p:nvSpPr>
         <p:spPr>
           <a:xfrm>
-            <a:off x="9790176" y="2103120"/>
-            <a:ext cx="1335024" cy="3749040"/>
+            <a:off x="8912352" y="2103120"/>
+            <a:ext cx="2212848" cy="3749040"/>
           </a:xfrm>
         </p:spPr>
         <p:txBody>
@@ -4954,7 +5369,7 @@
     </p:spTree>
     <p:extLst>
       <p:ext uri="{BB962C8B-B14F-4D97-AF65-F5344CB8AC3E}">
-        <p14:creationId xmlns:p14="http://schemas.microsoft.com/office/powerpoint/2010/main" val="1756811243"/>
+        <p14:creationId xmlns:p14="http://schemas.microsoft.com/office/powerpoint/2010/main" val="2711317647"/>
       </p:ext>
     </p:extLst>
   </p:cSld>
@@ -5004,7 +5419,7 @@
           <a:p>
             <a:r>
               <a:rPr lang="en-US" dirty="0"/>
-              <a:t>Region Geocodes</a:t>
+              <a:t>Logic Resolutions</a:t>
             </a:r>
           </a:p>
         </p:txBody>
@@ -5028,44 +5443,123 @@
         <p:spPr>
           <a:xfrm>
             <a:off x="1066800" y="2103120"/>
-            <a:ext cx="8065008" cy="3749040"/>
-          </a:xfrm>
-        </p:spPr>
-        <p:txBody>
-          <a:bodyPr/>
+            <a:ext cx="10058400" cy="3749040"/>
+          </a:xfrm>
+        </p:spPr>
+        <p:txBody>
+          <a:bodyPr>
+            <a:normAutofit fontScale="77500" lnSpcReduction="20000"/>
+          </a:bodyPr>
           <a:lstStyle/>
           <a:p>
+            <a:pPr marL="0" indent="0">
+              <a:buNone/>
+            </a:pPr>
             <a:r>
               <a:rPr lang="en-US" dirty="0"/>
-              <a:t>Selected latitude &amp; longitude based on </a:t>
+              <a:t>Primarily referred </a:t>
+            </a:r>
+            <a:r>
+              <a:rPr lang="en-US"/>
+              <a:t>to </a:t>
+            </a:r>
+            <a:r>
+              <a:rPr lang="en-US">
+                <a:hlinkClick r:id="rId2"/>
+              </a:rPr>
+              <a:t>https://hassavocadoboard.com/report/</a:t>
+            </a:r>
+            <a:endParaRPr lang="en-US" dirty="0"/>
+          </a:p>
+          <a:p>
+            <a:pPr marL="0" indent="0">
+              <a:buNone/>
+            </a:pPr>
+            <a:endParaRPr lang="en-US" b="1" dirty="0"/>
+          </a:p>
+          <a:p>
+            <a:pPr marL="0" indent="0">
+              <a:buNone/>
+            </a:pPr>
+            <a:r>
+              <a:rPr lang="en-US" b="1" dirty="0"/>
+              <a:t>Cities in Multiple States</a:t>
+            </a:r>
+          </a:p>
+          <a:p>
+            <a:r>
+              <a:rPr lang="en-US" dirty="0"/>
+              <a:t>Look up population and determine most likely state</a:t>
+            </a:r>
+          </a:p>
+          <a:p>
+            <a:pPr lvl="1"/>
+            <a:r>
+              <a:rPr lang="en-US" dirty="0"/>
+              <a:t>Example: Albany</a:t>
+            </a:r>
+          </a:p>
+          <a:p>
+            <a:pPr marL="0" indent="0">
+              <a:buNone/>
+            </a:pPr>
+            <a:r>
+              <a:rPr lang="en-US" b="1" dirty="0"/>
+              <a:t>Implied Larger Metropolitan Area Regions</a:t>
+            </a:r>
+          </a:p>
+          <a:p>
+            <a:r>
+              <a:rPr lang="en-US" dirty="0"/>
+              <a:t>Select one latitude/longitude combination to represent datapoint</a:t>
+            </a:r>
+          </a:p>
+          <a:p>
+            <a:pPr lvl="1"/>
+            <a:r>
+              <a:rPr lang="en-US" dirty="0"/>
+              <a:t>Example: </a:t>
             </a:r>
             <a:r>
               <a:rPr lang="en-US" dirty="0" err="1"/>
-              <a:t>ZipLatLong</a:t>
-            </a:r>
+              <a:t>CincinnatiDayton</a:t>
+            </a:r>
+            <a:endParaRPr lang="en-US" dirty="0"/>
+          </a:p>
+          <a:p>
+            <a:pPr marL="0" indent="0">
+              <a:buNone/>
+            </a:pPr>
+            <a:r>
+              <a:rPr lang="en-US" b="1" dirty="0"/>
+              <a:t>Implied Larger Geographic Area Regions</a:t>
+            </a:r>
+          </a:p>
+          <a:p>
             <a:r>
               <a:rPr lang="en-US" dirty="0"/>
-              <a:t> table</a:t>
-            </a:r>
-          </a:p>
-          <a:p>
+              <a:t>Select one latitude/longitude combination to represent datapoint</a:t>
+            </a:r>
+          </a:p>
+          <a:p>
+            <a:pPr lvl="1"/>
             <a:r>
               <a:rPr lang="en-US" dirty="0"/>
-              <a:t>Created secondary table (</a:t>
+              <a:t>Example: </a:t>
             </a:r>
             <a:r>
               <a:rPr lang="en-US" dirty="0" err="1"/>
-              <a:t>LocationRef</a:t>
-            </a:r>
+              <a:t>WestTexNewMexico</a:t>
+            </a:r>
+            <a:endParaRPr lang="en-US" dirty="0"/>
+          </a:p>
+          <a:p>
+            <a:endParaRPr lang="en-US" dirty="0"/>
+          </a:p>
+          <a:p>
             <a:r>
               <a:rPr lang="en-US" dirty="0"/>
-              <a:t>) to link with Avocado table</a:t>
-            </a:r>
-          </a:p>
-          <a:p>
-            <a:r>
-              <a:rPr lang="en-US" dirty="0"/>
-              <a:t>Selected a city from each region to represent the region</a:t>
+              <a:t>Note: Preferred method -- have data for all cities to ensure sum of parts equals total</a:t>
             </a:r>
           </a:p>
         </p:txBody>
@@ -5088,12 +5582,14 @@
         </p:nvSpPr>
         <p:spPr>
           <a:xfrm>
-            <a:off x="8912352" y="2103120"/>
-            <a:ext cx="2212848" cy="3749040"/>
-          </a:xfrm>
-        </p:spPr>
-        <p:txBody>
-          <a:bodyPr/>
+            <a:off x="9985248" y="2103120"/>
+            <a:ext cx="1139952" cy="3749040"/>
+          </a:xfrm>
+        </p:spPr>
+        <p:txBody>
+          <a:bodyPr>
+            <a:normAutofit fontScale="77500" lnSpcReduction="20000"/>
+          </a:bodyPr>
           <a:lstStyle/>
           <a:p>
             <a:endParaRPr lang="en-US" dirty="0"/>
@@ -5103,7 +5599,7 @@
     </p:spTree>
     <p:extLst>
       <p:ext uri="{BB962C8B-B14F-4D97-AF65-F5344CB8AC3E}">
-        <p14:creationId xmlns:p14="http://schemas.microsoft.com/office/powerpoint/2010/main" val="2711317647"/>
+        <p14:creationId xmlns:p14="http://schemas.microsoft.com/office/powerpoint/2010/main" val="3309177879"/>
       </p:ext>
     </p:extLst>
   </p:cSld>
@@ -5135,232 +5631,6 @@
           <p:cNvPr id="2" name="Title 1">
             <a:extLst>
               <a:ext uri="{FF2B5EF4-FFF2-40B4-BE49-F238E27FC236}">
-                <a16:creationId xmlns:a16="http://schemas.microsoft.com/office/drawing/2014/main" id="{B9C94313-1DE0-487E-93FE-C0CEE51A8053}"/>
-              </a:ext>
-            </a:extLst>
-          </p:cNvPr>
-          <p:cNvSpPr>
-            <a:spLocks noGrp="1"/>
-          </p:cNvSpPr>
-          <p:nvPr>
-            <p:ph type="title"/>
-          </p:nvPr>
-        </p:nvSpPr>
-        <p:spPr/>
-        <p:txBody>
-          <a:bodyPr/>
-          <a:lstStyle/>
-          <a:p>
-            <a:r>
-              <a:rPr lang="en-US" dirty="0"/>
-              <a:t>Logic Resolutions</a:t>
-            </a:r>
-          </a:p>
-        </p:txBody>
-      </p:sp>
-      <p:sp>
-        <p:nvSpPr>
-          <p:cNvPr id="3" name="Content Placeholder 2">
-            <a:extLst>
-              <a:ext uri="{FF2B5EF4-FFF2-40B4-BE49-F238E27FC236}">
-                <a16:creationId xmlns:a16="http://schemas.microsoft.com/office/drawing/2014/main" id="{F533EEBE-DA6D-4E3D-99F3-F867A3EBA6BF}"/>
-              </a:ext>
-            </a:extLst>
-          </p:cNvPr>
-          <p:cNvSpPr>
-            <a:spLocks noGrp="1"/>
-          </p:cNvSpPr>
-          <p:nvPr>
-            <p:ph sz="half" idx="1"/>
-          </p:nvPr>
-        </p:nvSpPr>
-        <p:spPr>
-          <a:xfrm>
-            <a:off x="1066800" y="2103120"/>
-            <a:ext cx="10058400" cy="3749040"/>
-          </a:xfrm>
-        </p:spPr>
-        <p:txBody>
-          <a:bodyPr>
-            <a:normAutofit fontScale="77500" lnSpcReduction="20000"/>
-          </a:bodyPr>
-          <a:lstStyle/>
-          <a:p>
-            <a:pPr marL="0" indent="0">
-              <a:buNone/>
-            </a:pPr>
-            <a:r>
-              <a:rPr lang="en-US" dirty="0"/>
-              <a:t>Primarily referred to </a:t>
-            </a:r>
-            <a:r>
-              <a:rPr lang="en-US" dirty="0">
-                <a:hlinkClick r:id="rId2"/>
-              </a:rPr>
-              <a:t>ttps://hassavocadoboard.com/report/</a:t>
-            </a:r>
-            <a:endParaRPr lang="en-US" dirty="0"/>
-          </a:p>
-          <a:p>
-            <a:pPr marL="0" indent="0">
-              <a:buNone/>
-            </a:pPr>
-            <a:endParaRPr lang="en-US" b="1" dirty="0"/>
-          </a:p>
-          <a:p>
-            <a:pPr marL="0" indent="0">
-              <a:buNone/>
-            </a:pPr>
-            <a:r>
-              <a:rPr lang="en-US" b="1" dirty="0"/>
-              <a:t>Cities in Multiple States</a:t>
-            </a:r>
-          </a:p>
-          <a:p>
-            <a:r>
-              <a:rPr lang="en-US" dirty="0"/>
-              <a:t>Look up population and determine most likely state</a:t>
-            </a:r>
-          </a:p>
-          <a:p>
-            <a:pPr lvl="1"/>
-            <a:r>
-              <a:rPr lang="en-US" dirty="0"/>
-              <a:t>Example: Albany</a:t>
-            </a:r>
-          </a:p>
-          <a:p>
-            <a:pPr marL="0" indent="0">
-              <a:buNone/>
-            </a:pPr>
-            <a:r>
-              <a:rPr lang="en-US" b="1" dirty="0"/>
-              <a:t>Implied Larger Metropolitan Area Regions</a:t>
-            </a:r>
-          </a:p>
-          <a:p>
-            <a:r>
-              <a:rPr lang="en-US" dirty="0"/>
-              <a:t>Select one latitude/longitude combination to represent datapoint</a:t>
-            </a:r>
-          </a:p>
-          <a:p>
-            <a:pPr lvl="1"/>
-            <a:r>
-              <a:rPr lang="en-US" dirty="0"/>
-              <a:t>Example: </a:t>
-            </a:r>
-            <a:r>
-              <a:rPr lang="en-US" dirty="0" err="1"/>
-              <a:t>CincinnatiDayton</a:t>
-            </a:r>
-            <a:endParaRPr lang="en-US" dirty="0"/>
-          </a:p>
-          <a:p>
-            <a:pPr marL="0" indent="0">
-              <a:buNone/>
-            </a:pPr>
-            <a:r>
-              <a:rPr lang="en-US" b="1" dirty="0"/>
-              <a:t>Implied Larger Geographic Area Regions</a:t>
-            </a:r>
-          </a:p>
-          <a:p>
-            <a:r>
-              <a:rPr lang="en-US" dirty="0"/>
-              <a:t>Select one latitude/longitude combination to represent datapoint</a:t>
-            </a:r>
-          </a:p>
-          <a:p>
-            <a:pPr lvl="1"/>
-            <a:r>
-              <a:rPr lang="en-US" dirty="0"/>
-              <a:t>Example: </a:t>
-            </a:r>
-            <a:r>
-              <a:rPr lang="en-US" dirty="0" err="1"/>
-              <a:t>WestTexNewMexico</a:t>
-            </a:r>
-            <a:endParaRPr lang="en-US" dirty="0"/>
-          </a:p>
-          <a:p>
-            <a:endParaRPr lang="en-US" dirty="0"/>
-          </a:p>
-          <a:p>
-            <a:r>
-              <a:rPr lang="en-US" dirty="0"/>
-              <a:t>Note: Preferred method -- have data for all cities to ensure sum of parts equals total</a:t>
-            </a:r>
-          </a:p>
-        </p:txBody>
-      </p:sp>
-      <p:sp>
-        <p:nvSpPr>
-          <p:cNvPr id="4" name="Content Placeholder 3">
-            <a:extLst>
-              <a:ext uri="{FF2B5EF4-FFF2-40B4-BE49-F238E27FC236}">
-                <a16:creationId xmlns:a16="http://schemas.microsoft.com/office/drawing/2014/main" id="{D998E6CF-A371-48AD-BC14-3960A803F95E}"/>
-              </a:ext>
-            </a:extLst>
-          </p:cNvPr>
-          <p:cNvSpPr>
-            <a:spLocks noGrp="1"/>
-          </p:cNvSpPr>
-          <p:nvPr>
-            <p:ph sz="half" idx="2"/>
-          </p:nvPr>
-        </p:nvSpPr>
-        <p:spPr>
-          <a:xfrm>
-            <a:off x="9985248" y="2103120"/>
-            <a:ext cx="1139952" cy="3749040"/>
-          </a:xfrm>
-        </p:spPr>
-        <p:txBody>
-          <a:bodyPr>
-            <a:normAutofit fontScale="77500" lnSpcReduction="20000"/>
-          </a:bodyPr>
-          <a:lstStyle/>
-          <a:p>
-            <a:endParaRPr lang="en-US" dirty="0"/>
-          </a:p>
-        </p:txBody>
-      </p:sp>
-    </p:spTree>
-    <p:extLst>
-      <p:ext uri="{BB962C8B-B14F-4D97-AF65-F5344CB8AC3E}">
-        <p14:creationId xmlns:p14="http://schemas.microsoft.com/office/powerpoint/2010/main" val="3309177879"/>
-      </p:ext>
-    </p:extLst>
-  </p:cSld>
-  <p:clrMapOvr>
-    <a:masterClrMapping/>
-  </p:clrMapOvr>
-</p:sld>
-</file>
-
-<file path=ppt/slides/slide6.xml><?xml version="1.0" encoding="utf-8"?>
-<p:sld xmlns:a="http://schemas.openxmlformats.org/drawingml/2006/main" xmlns:r="http://schemas.openxmlformats.org/officeDocument/2006/relationships" xmlns:p="http://schemas.openxmlformats.org/presentationml/2006/main">
-  <p:cSld>
-    <p:spTree>
-      <p:nvGrpSpPr>
-        <p:cNvPr id="1" name=""/>
-        <p:cNvGrpSpPr/>
-        <p:nvPr/>
-      </p:nvGrpSpPr>
-      <p:grpSpPr>
-        <a:xfrm>
-          <a:off x="0" y="0"/>
-          <a:ext cx="0" cy="0"/>
-          <a:chOff x="0" y="0"/>
-          <a:chExt cx="0" cy="0"/>
-        </a:xfrm>
-      </p:grpSpPr>
-      <p:sp>
-        <p:nvSpPr>
-          <p:cNvPr id="2" name="Title 1">
-            <a:extLst>
-              <a:ext uri="{FF2B5EF4-FFF2-40B4-BE49-F238E27FC236}">
                 <a16:creationId xmlns:a16="http://schemas.microsoft.com/office/drawing/2014/main" id="{A087656B-D86C-44F3-9EF5-90EE73B724DE}"/>
               </a:ext>
             </a:extLst>
@@ -5466,7 +5736,7 @@
 </p:sld>
 </file>
 
-<file path=ppt/slides/slide7.xml><?xml version="1.0" encoding="utf-8"?>
+<file path=ppt/slides/slide6.xml><?xml version="1.0" encoding="utf-8"?>
 <p:sld xmlns:a="http://schemas.openxmlformats.org/drawingml/2006/main" xmlns:r="http://schemas.openxmlformats.org/officeDocument/2006/relationships" xmlns:p="http://schemas.openxmlformats.org/presentationml/2006/main">
   <p:cSld>
     <p:spTree>
